--- a/PowerPoint/FLUTTER_EP81.pptx
+++ b/PowerPoint/FLUTTER_EP81.pptx
@@ -5,7 +5,7 @@
     <p:sldMasterId id="2147483929" r:id="rId1"/>
   </p:sldMasterIdLst>
   <p:notesMasterIdLst>
-    <p:notesMasterId r:id="rId15"/>
+    <p:notesMasterId r:id="rId16"/>
   </p:notesMasterIdLst>
   <p:sldIdLst>
     <p:sldId id="256" r:id="rId2"/>
@@ -21,6 +21,7 @@
     <p:sldId id="285" r:id="rId12"/>
     <p:sldId id="286" r:id="rId13"/>
     <p:sldId id="287" r:id="rId14"/>
+    <p:sldId id="288" r:id="rId15"/>
   </p:sldIdLst>
   <p:sldSz cx="12192000" cy="6858000"/>
   <p:notesSz cx="6858000" cy="9144000"/>
@@ -1716,13 +1717,7 @@
             <a:rPr lang="en-US" u="sng" smtClean="0">
               <a:latin typeface="Yu Gothic (Headings)"/>
             </a:rPr>
-            <a:t>https://</a:t>
-          </a:r>
-          <a:r>
-            <a:rPr lang="en-US" u="sng" smtClean="0">
-              <a:latin typeface="Yu Gothic (Headings)"/>
-            </a:rPr>
-            <a:t>github.com/traitet/flutterep71</a:t>
+            <a:t>https://github.com/traitet/flutterep71</a:t>
           </a:r>
           <a:r>
             <a:rPr lang="en-US" u="sng" smtClean="0"/>
@@ -1763,21 +1758,8 @@
         <a:p>
           <a:r>
             <a:rPr lang="en-US" smtClean="0"/>
-            <a:t>Change Folder Name from </a:t>
+            <a:t>Change Folder Name from flutterep71-master to flutterep81 </a:t>
           </a:r>
-          <a:r>
-            <a:rPr lang="en-US" smtClean="0"/>
-            <a:t>flutterep71-master </a:t>
-          </a:r>
-          <a:r>
-            <a:rPr lang="en-US" smtClean="0"/>
-            <a:t>to </a:t>
-          </a:r>
-          <a:r>
-            <a:rPr lang="en-US" smtClean="0"/>
-            <a:t>flutterep81 </a:t>
-          </a:r>
-          <a:endParaRPr lang="en-US" smtClean="0"/>
         </a:p>
       </dgm:t>
     </dgm:pt>
@@ -1892,13 +1874,7 @@
             <a:rPr lang="en-US" u="sng" smtClean="0">
               <a:latin typeface="Yu Gothic (Headings)"/>
             </a:rPr>
-            <a:t>https://</a:t>
-          </a:r>
-          <a:r>
-            <a:rPr lang="en-US" u="sng" smtClean="0">
-              <a:latin typeface="Yu Gothic (Headings)"/>
-            </a:rPr>
-            <a:t>github.com/traitet/flutterep81</a:t>
+            <a:t>https://github.com/traitet/flutterep81</a:t>
           </a:r>
           <a:endParaRPr lang="en-US" u="sng"/>
         </a:p>
@@ -2194,8 +2170,8 @@
     <dgm:cxn modelId="{90E47542-B598-46FC-932D-3AAF89EBE007}" srcId="{83C7DC61-5475-4462-B8BF-A6213DE5EBA0}" destId="{46D9DE47-DC5C-4BC5-852D-F00087D5B7D7}" srcOrd="1" destOrd="0" parTransId="{9C1C1AD8-7185-4E66-843A-72C603BB0FD9}" sibTransId="{99DC2FB8-89F5-47B7-9AAA-E4E17AE2744E}"/>
     <dgm:cxn modelId="{DB9086FD-4B14-42B3-849A-6BF25CBD8550}" srcId="{83C7DC61-5475-4462-B8BF-A6213DE5EBA0}" destId="{97038982-AACC-45F8-A318-176FD1E7FD07}" srcOrd="0" destOrd="0" parTransId="{049C2B12-1489-4B95-9990-F856C8FCFEDB}" sibTransId="{B08BD20F-9624-42C9-8190-E1A3800DF38C}"/>
     <dgm:cxn modelId="{0FE9E617-D634-44BB-86C4-BE1960DCDAF5}" type="presOf" srcId="{97038982-AACC-45F8-A318-176FD1E7FD07}" destId="{9A7A62C3-365C-4A3C-88D8-F66E589907FC}" srcOrd="0" destOrd="0" presId="urn:microsoft.com/office/officeart/2005/8/layout/process4"/>
+    <dgm:cxn modelId="{3FADAB3A-52F5-4751-8C43-7C425AE3A5D2}" type="presOf" srcId="{46D9DE47-DC5C-4BC5-852D-F00087D5B7D7}" destId="{A0985FBB-6B3A-44A6-AEFB-E9A594367C13}" srcOrd="0" destOrd="0" presId="urn:microsoft.com/office/officeart/2005/8/layout/process4"/>
     <dgm:cxn modelId="{9E9E8DF6-913F-435C-A429-CA6F56D95999}" type="presOf" srcId="{83C7DC61-5475-4462-B8BF-A6213DE5EBA0}" destId="{78EA9ADD-7194-4C8B-849D-82BBC7A22881}" srcOrd="0" destOrd="0" presId="urn:microsoft.com/office/officeart/2005/8/layout/process4"/>
-    <dgm:cxn modelId="{3FADAB3A-52F5-4751-8C43-7C425AE3A5D2}" type="presOf" srcId="{46D9DE47-DC5C-4BC5-852D-F00087D5B7D7}" destId="{A0985FBB-6B3A-44A6-AEFB-E9A594367C13}" srcOrd="0" destOrd="0" presId="urn:microsoft.com/office/officeart/2005/8/layout/process4"/>
     <dgm:cxn modelId="{C85572B9-F2C1-4085-88FE-AE7861218889}" type="presParOf" srcId="{78EA9ADD-7194-4C8B-849D-82BBC7A22881}" destId="{A28F8559-6A15-4F3A-86D9-49ABA70D59A4}" srcOrd="0" destOrd="0" presId="urn:microsoft.com/office/officeart/2005/8/layout/process4"/>
     <dgm:cxn modelId="{218C6C3D-0308-4F38-B55A-00A5D12AAD2D}" type="presParOf" srcId="{A28F8559-6A15-4F3A-86D9-49ABA70D59A4}" destId="{A0985FBB-6B3A-44A6-AEFB-E9A594367C13}" srcOrd="0" destOrd="0" presId="urn:microsoft.com/office/officeart/2005/8/layout/process4"/>
     <dgm:cxn modelId="{FEC3E4A8-02AE-44F5-A67D-1CC353CECF14}" type="presParOf" srcId="{78EA9ADD-7194-4C8B-849D-82BBC7A22881}" destId="{ED71B2CD-FEC1-45DD-961F-3DDE69271C4E}" srcOrd="1" destOrd="0" presId="urn:microsoft.com/office/officeart/2005/8/layout/process4"/>
@@ -2293,13 +2269,7 @@
             <a:rPr lang="en-US" sz="2700" u="sng" kern="1200" smtClean="0">
               <a:latin typeface="Yu Gothic (Headings)"/>
             </a:rPr>
-            <a:t>https://</a:t>
-          </a:r>
-          <a:r>
-            <a:rPr lang="en-US" sz="2700" u="sng" kern="1200" smtClean="0">
-              <a:latin typeface="Yu Gothic (Headings)"/>
-            </a:rPr>
-            <a:t>github.com/traitet/flutterep81</a:t>
+            <a:t>https://github.com/traitet/flutterep81</a:t>
           </a:r>
           <a:endParaRPr lang="en-US" sz="2700" u="sng" kern="1200"/>
         </a:p>
@@ -2530,21 +2500,8 @@
           </a:pPr>
           <a:r>
             <a:rPr lang="en-US" sz="2700" kern="1200" smtClean="0"/>
-            <a:t>Change Folder Name from </a:t>
+            <a:t>Change Folder Name from flutterep71-master to flutterep81 </a:t>
           </a:r>
-          <a:r>
-            <a:rPr lang="en-US" sz="2700" kern="1200" smtClean="0"/>
-            <a:t>flutterep71-master </a:t>
-          </a:r>
-          <a:r>
-            <a:rPr lang="en-US" sz="2700" kern="1200" smtClean="0"/>
-            <a:t>to </a:t>
-          </a:r>
-          <a:r>
-            <a:rPr lang="en-US" sz="2700" kern="1200" smtClean="0"/>
-            <a:t>flutterep81 </a:t>
-          </a:r>
-          <a:endParaRPr lang="en-US" sz="2700" kern="1200" smtClean="0"/>
         </a:p>
       </dsp:txBody>
       <dsp:txXfrm rot="10800000">
@@ -2625,13 +2582,7 @@
             <a:rPr lang="en-US" sz="2700" u="sng" kern="1200" smtClean="0">
               <a:latin typeface="Yu Gothic (Headings)"/>
             </a:rPr>
-            <a:t>https://</a:t>
-          </a:r>
-          <a:r>
-            <a:rPr lang="en-US" sz="2700" u="sng" kern="1200" smtClean="0">
-              <a:latin typeface="Yu Gothic (Headings)"/>
-            </a:rPr>
-            <a:t>github.com/traitet/flutterep71</a:t>
+            <a:t>https://github.com/traitet/flutterep71</a:t>
           </a:r>
           <a:r>
             <a:rPr lang="en-US" sz="2700" u="sng" kern="1200" smtClean="0"/>
@@ -9805,10 +9756,6 @@
               <a:rPr lang="en-US" smtClean="0"/>
               <a:t>EP81</a:t>
             </a:r>
-            <a:r>
-              <a:rPr lang="en-US" smtClean="0"/>
-              <a:t/>
-            </a:r>
             <a:br>
               <a:rPr lang="en-US" smtClean="0"/>
             </a:br>
@@ -9884,15 +9831,7 @@
           <a:p>
             <a:r>
               <a:rPr lang="en-US" smtClean="0"/>
-              <a:t>29</a:t>
-            </a:r>
-            <a:r>
-              <a:rPr lang="en-US" smtClean="0"/>
-              <a:t> </a:t>
-            </a:r>
-            <a:r>
-              <a:rPr lang="en-US" smtClean="0"/>
-              <a:t>Sep 2020</a:t>
+              <a:t>29 Sep 2020</a:t>
             </a:r>
           </a:p>
           <a:p>
@@ -10609,6 +10548,186 @@
       </p:par>
     </p:tnLst>
   </p:timing>
+</p:sld>
+</file>
+
+<file path=ppt/slides/slide14.xml><?xml version="1.0" encoding="utf-8"?>
+<p:sld xmlns:a="http://schemas.openxmlformats.org/drawingml/2006/main" xmlns:r="http://schemas.openxmlformats.org/officeDocument/2006/relationships" xmlns:p="http://schemas.openxmlformats.org/presentationml/2006/main">
+  <p:cSld>
+    <p:spTree>
+      <p:nvGrpSpPr>
+        <p:cNvPr id="1" name=""/>
+        <p:cNvGrpSpPr/>
+        <p:nvPr/>
+      </p:nvGrpSpPr>
+      <p:grpSpPr>
+        <a:xfrm>
+          <a:off x="0" y="0"/>
+          <a:ext cx="0" cy="0"/>
+          <a:chOff x="0" y="0"/>
+          <a:chExt cx="0" cy="0"/>
+        </a:xfrm>
+      </p:grpSpPr>
+      <p:sp>
+        <p:nvSpPr>
+          <p:cNvPr id="2" name="Title 1"/>
+          <p:cNvSpPr>
+            <a:spLocks noGrp="1"/>
+          </p:cNvSpPr>
+          <p:nvPr>
+            <p:ph type="title"/>
+          </p:nvPr>
+        </p:nvSpPr>
+        <p:spPr/>
+        <p:txBody>
+          <a:bodyPr/>
+          <a:lstStyle/>
+          <a:p>
+            <a:r>
+              <a:rPr lang="en-US" sz="3600" smtClean="0"/>
+              <a:t>Git push to upload commited code to Github Cloud</a:t>
+            </a:r>
+            <a:endParaRPr lang="en-US" sz="3600"/>
+          </a:p>
+        </p:txBody>
+      </p:sp>
+      <p:pic>
+        <p:nvPicPr>
+          <p:cNvPr id="3" name="Picture 2"/>
+          <p:cNvPicPr>
+            <a:picLocks noChangeAspect="1"/>
+          </p:cNvPicPr>
+          <p:nvPr/>
+        </p:nvPicPr>
+        <p:blipFill>
+          <a:blip r:embed="rId2"/>
+          <a:stretch>
+            <a:fillRect/>
+          </a:stretch>
+        </p:blipFill>
+        <p:spPr>
+          <a:xfrm>
+            <a:off x="715962" y="972152"/>
+            <a:ext cx="6161087" cy="5786426"/>
+          </a:xfrm>
+          <a:prstGeom prst="rect">
+            <a:avLst/>
+          </a:prstGeom>
+        </p:spPr>
+      </p:pic>
+      <p:sp>
+        <p:nvSpPr>
+          <p:cNvPr id="4" name="Rounded Rectangle 3"/>
+          <p:cNvSpPr/>
+          <p:nvPr/>
+        </p:nvSpPr>
+        <p:spPr>
+          <a:xfrm>
+            <a:off x="2518212" y="5724525"/>
+            <a:ext cx="2566670" cy="164682"/>
+          </a:xfrm>
+          <a:prstGeom prst="roundRect">
+            <a:avLst>
+              <a:gd name="adj" fmla="val 9375"/>
+            </a:avLst>
+          </a:prstGeom>
+          <a:noFill/>
+          <a:ln w="28575">
+            <a:solidFill>
+              <a:srgbClr val="FF0000"/>
+            </a:solidFill>
+          </a:ln>
+        </p:spPr>
+        <p:style>
+          <a:lnRef idx="2">
+            <a:schemeClr val="accent1">
+              <a:shade val="50000"/>
+            </a:schemeClr>
+          </a:lnRef>
+          <a:fillRef idx="1">
+            <a:schemeClr val="accent1"/>
+          </a:fillRef>
+          <a:effectRef idx="0">
+            <a:schemeClr val="accent1"/>
+          </a:effectRef>
+          <a:fontRef idx="minor">
+            <a:schemeClr val="lt1"/>
+          </a:fontRef>
+        </p:style>
+        <p:txBody>
+          <a:bodyPr rtlCol="0" anchor="ctr"/>
+          <a:lstStyle/>
+          <a:p>
+            <a:pPr algn="ctr"/>
+            <a:endParaRPr lang="en-US"/>
+          </a:p>
+        </p:txBody>
+      </p:sp>
+      <p:sp>
+        <p:nvSpPr>
+          <p:cNvPr id="5" name="Rectangular Callout 4"/>
+          <p:cNvSpPr/>
+          <p:nvPr/>
+        </p:nvSpPr>
+        <p:spPr>
+          <a:xfrm>
+            <a:off x="5448301" y="5349875"/>
+            <a:ext cx="1301750" cy="692150"/>
+          </a:xfrm>
+          <a:prstGeom prst="wedgeRectCallout">
+            <a:avLst>
+              <a:gd name="adj1" fmla="val -73461"/>
+              <a:gd name="adj2" fmla="val 12543"/>
+            </a:avLst>
+          </a:prstGeom>
+        </p:spPr>
+        <p:style>
+          <a:lnRef idx="2">
+            <a:schemeClr val="accent1">
+              <a:shade val="50000"/>
+            </a:schemeClr>
+          </a:lnRef>
+          <a:fillRef idx="1">
+            <a:schemeClr val="accent1"/>
+          </a:fillRef>
+          <a:effectRef idx="0">
+            <a:schemeClr val="accent1"/>
+          </a:effectRef>
+          <a:fontRef idx="minor">
+            <a:schemeClr val="lt1"/>
+          </a:fontRef>
+        </p:style>
+        <p:txBody>
+          <a:bodyPr rtlCol="0" anchor="ctr"/>
+          <a:lstStyle/>
+          <a:p>
+            <a:pPr algn="ctr"/>
+            <a:r>
+              <a:rPr lang="en-US" smtClean="0"/>
+              <a:t>Git push</a:t>
+            </a:r>
+            <a:endParaRPr lang="en-US"/>
+          </a:p>
+        </p:txBody>
+      </p:sp>
+    </p:spTree>
+    <p:extLst>
+      <p:ext uri="{BB962C8B-B14F-4D97-AF65-F5344CB8AC3E}">
+        <p14:creationId xmlns:p14="http://schemas.microsoft.com/office/powerpoint/2010/main" val="2608700986"/>
+      </p:ext>
+    </p:extLst>
+  </p:cSld>
+  <p:clrMapOvr>
+    <a:masterClrMapping/>
+  </p:clrMapOvr>
+  <mc:AlternateContent xmlns:mc="http://schemas.openxmlformats.org/markup-compatibility/2006" xmlns:p14="http://schemas.microsoft.com/office/powerpoint/2010/main">
+    <mc:Choice Requires="p14">
+      <p:transition spd="slow" p14:dur="2000"/>
+    </mc:Choice>
+    <mc:Fallback xmlns="">
+      <p:transition spd="slow"/>
+    </mc:Fallback>
+  </mc:AlternateContent>
 </p:sld>
 </file>
 
@@ -11387,9 +11506,6 @@
                         </a:rPr>
                         <a:t>EP11-50</a:t>
                       </a:r>
-                      <a:endParaRPr lang="en-US" sz="1600" smtClean="0">
-                        <a:latin typeface="Yu Gothic (Headings)"/>
-                      </a:endParaRPr>
                     </a:p>
                   </a:txBody>
                   <a:tcPr anchor="ctr"/>
@@ -11506,9 +11622,6 @@
                         </a:rPr>
                         <a:t>EP11-60</a:t>
                       </a:r>
-                      <a:endParaRPr lang="en-US" sz="1600" smtClean="0">
-                        <a:latin typeface="Yu Gothic (Headings)"/>
-                      </a:endParaRPr>
                     </a:p>
                   </a:txBody>
                   <a:tcPr anchor="ctr"/>
@@ -11625,9 +11738,6 @@
                         </a:rPr>
                         <a:t>EP11-70</a:t>
                       </a:r>
-                      <a:endParaRPr lang="en-US" sz="1600" smtClean="0">
-                        <a:latin typeface="Yu Gothic (Headings)"/>
-                      </a:endParaRPr>
                     </a:p>
                   </a:txBody>
                   <a:tcPr anchor="ctr"/>
@@ -12408,13 +12518,8 @@
             </a:pPr>
             <a:r>
               <a:rPr lang="en-US" smtClean="0"/>
-              <a:t>File, Open Folder, </a:t>
+              <a:t>File, Open Folder, Flutterep81</a:t>
             </a:r>
-            <a:r>
-              <a:rPr lang="en-US" smtClean="0"/>
-              <a:t>Flutterep81</a:t>
-            </a:r>
-            <a:endParaRPr lang="en-US" smtClean="0"/>
           </a:p>
           <a:p>
             <a:pPr marL="342900" indent="-342900">
